--- a/Minor Project/Poster/Poster Minor Project.pptx
+++ b/Minor Project/Poster/Poster Minor Project.pptx
@@ -5109,8 +5109,8 @@
         </p:nvSpPr>
         <p:spPr>
           <a:xfrm>
-            <a:off x="1371599" y="530549"/>
-            <a:ext cx="30861000" cy="2060201"/>
+            <a:off x="1371599" y="105131"/>
+            <a:ext cx="30861000" cy="2005741"/>
           </a:xfrm>
           <a:prstGeom prst="rect">
             <a:avLst/>
@@ -5179,7 +5179,7 @@
         </p:nvSpPr>
         <p:spPr>
           <a:xfrm>
-            <a:off x="1600200" y="2561993"/>
+            <a:off x="1445311" y="2187977"/>
             <a:ext cx="30861000" cy="3070071"/>
           </a:xfrm>
           <a:prstGeom prst="rect">
@@ -5351,7 +5351,7 @@
                 </a:solidFill>
                 <a:latin typeface="Quattrocento Sans" panose="020B0502050000020003" pitchFamily="34" charset="0"/>
               </a:rPr>
-              <a:t>Jatin Rao(0827IT233D03),  </a:t>
+              <a:t>Jatin Rao (0827IT233D03),  </a:t>
             </a:r>
             <a:r>
               <a:rPr lang="en-US" sz="4200" dirty="0" err="1">
@@ -5387,7 +5387,7 @@
                 </a:solidFill>
                 <a:latin typeface="Quattrocento Sans" panose="020B0502050000020003" pitchFamily="34" charset="0"/>
               </a:rPr>
-              <a:t>(0827IT221056).</a:t>
+              <a:t> (0827IT221056).</a:t>
             </a:r>
           </a:p>
           <a:p>
@@ -5598,7 +5598,7 @@
         </p:nvSpPr>
         <p:spPr bwMode="auto">
           <a:xfrm>
-            <a:off x="571634" y="14376198"/>
+            <a:off x="559911" y="14096066"/>
             <a:ext cx="9715366" cy="822960"/>
           </a:xfrm>
           <a:prstGeom prst="round2DiagRect">
@@ -5654,7 +5654,7 @@
         </p:nvSpPr>
         <p:spPr bwMode="auto">
           <a:xfrm>
-            <a:off x="22593433" y="21564600"/>
+            <a:off x="22590947" y="21706904"/>
             <a:ext cx="9715366" cy="822960"/>
           </a:xfrm>
           <a:prstGeom prst="round2DiagRect">
@@ -5949,8 +5949,8 @@
         </p:nvSpPr>
         <p:spPr>
           <a:xfrm>
-            <a:off x="571634" y="15385018"/>
-            <a:ext cx="9715366" cy="11264622"/>
+            <a:off x="571634" y="15028051"/>
+            <a:ext cx="9715366" cy="11541621"/>
           </a:xfrm>
           <a:prstGeom prst="rect">
             <a:avLst/>
@@ -5968,7 +5968,7 @@
           </a:lstStyle>
           <a:p>
             <a:r>
-              <a:rPr lang="en-US" sz="2200" b="1" dirty="0">
+              <a:rPr lang="en-US" sz="3100" dirty="0">
                 <a:solidFill>
                   <a:srgbClr val="0E0E0E"/>
                 </a:solidFill>
@@ -5976,9 +5976,19 @@
                 <a:latin typeface="Quattrocento" panose="02020502030000000404" pitchFamily="18" charset="0"/>
                 <a:cs typeface="Arial" panose="020B0604020202020204" pitchFamily="34" charset="0"/>
               </a:rPr>
-              <a:t>Introduction</a:t>
-            </a:r>
-            <a:endParaRPr lang="en-US" sz="2200" dirty="0">
+              <a:t>Access to well-organized and reliable study materials is crucial for academic success.</a:t>
+            </a:r>
+            <a:br>
+              <a:rPr lang="en-US" sz="3100" dirty="0">
+                <a:solidFill>
+                  <a:srgbClr val="0E0E0E"/>
+                </a:solidFill>
+                <a:effectLst/>
+                <a:latin typeface="Quattrocento" panose="02020502030000000404" pitchFamily="18" charset="0"/>
+                <a:cs typeface="Arial" panose="020B0604020202020204" pitchFamily="34" charset="0"/>
+              </a:rPr>
+            </a:br>
+            <a:endParaRPr lang="en-US" sz="3100" dirty="0">
               <a:solidFill>
                 <a:srgbClr val="0E0E0E"/>
               </a:solidFill>
@@ -5988,8 +5998,8 @@
             </a:endParaRPr>
           </a:p>
           <a:p>
-            <a:br>
-              <a:rPr lang="en-US" sz="2200" dirty="0">
+            <a:r>
+              <a:rPr lang="en-US" sz="3100" dirty="0">
                 <a:solidFill>
                   <a:srgbClr val="0E0E0E"/>
                 </a:solidFill>
@@ -5997,8 +6007,11 @@
                 <a:latin typeface="Quattrocento" panose="02020502030000000404" pitchFamily="18" charset="0"/>
                 <a:cs typeface="Arial" panose="020B0604020202020204" pitchFamily="34" charset="0"/>
               </a:rPr>
-            </a:br>
-            <a:endParaRPr lang="en-US" sz="2200" dirty="0">
+              <a:t>Students often struggle to find comprehensive resources tailored to their curricula, leading to inefficiencies and disorganized study practices. </a:t>
+            </a:r>
+          </a:p>
+          <a:p>
+            <a:endParaRPr lang="en-US" sz="3100" dirty="0">
               <a:solidFill>
                 <a:srgbClr val="0E0E0E"/>
               </a:solidFill>
@@ -6009,7 +6022,7 @@
           </a:p>
           <a:p>
             <a:r>
-              <a:rPr lang="en-US" sz="2200" dirty="0">
+              <a:rPr lang="en-US" sz="3100" dirty="0">
                 <a:solidFill>
                   <a:srgbClr val="0E0E0E"/>
                 </a:solidFill>
@@ -6017,12 +6030,32 @@
                 <a:latin typeface="Quattrocento" panose="02020502030000000404" pitchFamily="18" charset="0"/>
                 <a:cs typeface="Arial" panose="020B0604020202020204" pitchFamily="34" charset="0"/>
               </a:rPr>
-              <a:t>Access to well-organized and reliable study materials is crucial for academic success.</a:t>
-            </a:r>
-          </a:p>
-          <a:p>
+              <a:t>The </a:t>
+            </a:r>
+            <a:r>
+              <a:rPr lang="en-US" sz="3100" i="1" dirty="0">
+                <a:solidFill>
+                  <a:srgbClr val="0E0E0E"/>
+                </a:solidFill>
+                <a:effectLst/>
+                <a:latin typeface="Quattrocento" panose="02020502030000000404" pitchFamily="18" charset="0"/>
+                <a:cs typeface="Arial" panose="020B0604020202020204" pitchFamily="34" charset="0"/>
+              </a:rPr>
+              <a:t>Comprehensive Digital Learning System for Students</a:t>
+            </a:r>
+            <a:r>
+              <a:rPr lang="en-US" sz="3100" dirty="0">
+                <a:solidFill>
+                  <a:srgbClr val="0E0E0E"/>
+                </a:solidFill>
+                <a:effectLst/>
+                <a:latin typeface="Quattrocento" panose="02020502030000000404" pitchFamily="18" charset="0"/>
+                <a:cs typeface="Arial" panose="020B0604020202020204" pitchFamily="34" charset="0"/>
+              </a:rPr>
+              <a:t> is a web-based platform designed to centralize and simplify access to study materials.</a:t>
+            </a:r>
             <a:br>
-              <a:rPr lang="en-US" sz="2200" dirty="0">
+              <a:rPr lang="en-US" sz="3100" dirty="0">
                 <a:solidFill>
                   <a:srgbClr val="0E0E0E"/>
                 </a:solidFill>
@@ -6031,7 +6064,7 @@
                 <a:cs typeface="Arial" panose="020B0604020202020204" pitchFamily="34" charset="0"/>
               </a:rPr>
             </a:br>
-            <a:endParaRPr lang="en-US" sz="2200" dirty="0">
+            <a:endParaRPr lang="en-US" sz="3100" dirty="0">
               <a:solidFill>
                 <a:srgbClr val="0E0E0E"/>
               </a:solidFill>
@@ -6042,7 +6075,7 @@
           </a:p>
           <a:p>
             <a:r>
-              <a:rPr lang="en-US" sz="2200" dirty="0">
+              <a:rPr lang="en-US" sz="3100" dirty="0">
                 <a:solidFill>
                   <a:srgbClr val="0E0E0E"/>
                 </a:solidFill>
@@ -6050,21 +6083,11 @@
                 <a:latin typeface="Quattrocento" panose="02020502030000000404" pitchFamily="18" charset="0"/>
                 <a:cs typeface="Arial" panose="020B0604020202020204" pitchFamily="34" charset="0"/>
               </a:rPr>
-              <a:t>Students often struggle to find comprehensive resources tailored to their curricula, leading to inefficiencies and disorganized study practices. Existing solutions, like scattered platforms or personal networks, fail to address this issue effectively and lack collaborative features.</a:t>
-            </a:r>
-          </a:p>
-          <a:p>
-            <a:br>
-              <a:rPr lang="en-US" sz="2200" dirty="0">
-                <a:solidFill>
-                  <a:srgbClr val="0E0E0E"/>
-                </a:solidFill>
-                <a:effectLst/>
-                <a:latin typeface="Quattrocento" panose="02020502030000000404" pitchFamily="18" charset="0"/>
-                <a:cs typeface="Arial" panose="020B0604020202020204" pitchFamily="34" charset="0"/>
-              </a:rPr>
-            </a:br>
-            <a:endParaRPr lang="en-US" sz="2200" dirty="0">
+              <a:t>This platform leverages advanced web technologies and intuitive design to allow students to upload, search, and manage study notes effortlessly. </a:t>
+            </a:r>
+          </a:p>
+          <a:p>
+            <a:endParaRPr lang="en-US" sz="3100" dirty="0">
               <a:solidFill>
                 <a:srgbClr val="0E0E0E"/>
               </a:solidFill>
@@ -6075,7 +6098,7 @@
           </a:p>
           <a:p>
             <a:r>
-              <a:rPr lang="en-US" sz="2200" dirty="0">
+              <a:rPr lang="en-US" sz="3100" dirty="0">
                 <a:solidFill>
                   <a:srgbClr val="0E0E0E"/>
                 </a:solidFill>
@@ -6083,43 +6106,11 @@
                 <a:latin typeface="Quattrocento" panose="02020502030000000404" pitchFamily="18" charset="0"/>
                 <a:cs typeface="Arial" panose="020B0604020202020204" pitchFamily="34" charset="0"/>
               </a:rPr>
-              <a:t>The </a:t>
-            </a:r>
-            <a:r>
-              <a:rPr lang="en-US" sz="2200" i="1" dirty="0">
-                <a:solidFill>
-                  <a:srgbClr val="0E0E0E"/>
-                </a:solidFill>
-                <a:effectLst/>
-                <a:latin typeface="Quattrocento" panose="02020502030000000404" pitchFamily="18" charset="0"/>
-                <a:cs typeface="Arial" panose="020B0604020202020204" pitchFamily="34" charset="0"/>
-              </a:rPr>
-              <a:t>Comprehensive Digital Learning System for Students</a:t>
-            </a:r>
-            <a:r>
-              <a:rPr lang="en-US" sz="2200" dirty="0">
-                <a:solidFill>
-                  <a:srgbClr val="0E0E0E"/>
-                </a:solidFill>
-                <a:effectLst/>
-                <a:latin typeface="Quattrocento" panose="02020502030000000404" pitchFamily="18" charset="0"/>
-                <a:cs typeface="Arial" panose="020B0604020202020204" pitchFamily="34" charset="0"/>
-              </a:rPr>
-              <a:t> is a web-based platform designed to centralize and simplify access to study materials.</a:t>
-            </a:r>
-          </a:p>
-          <a:p>
-            <a:br>
-              <a:rPr lang="en-US" sz="2200" dirty="0">
-                <a:solidFill>
-                  <a:srgbClr val="0E0E0E"/>
-                </a:solidFill>
-                <a:effectLst/>
-                <a:latin typeface="Quattrocento" panose="02020502030000000404" pitchFamily="18" charset="0"/>
-                <a:cs typeface="Arial" panose="020B0604020202020204" pitchFamily="34" charset="0"/>
-              </a:rPr>
-            </a:br>
-            <a:endParaRPr lang="en-US" sz="2200" dirty="0">
+              <a:t>The system ensures seamless functionality and a user-friendly interface, making it accessible to students of all technical skill levels.</a:t>
+            </a:r>
+          </a:p>
+          <a:p>
+            <a:endParaRPr lang="en-US" sz="3100" dirty="0">
               <a:solidFill>
                 <a:srgbClr val="0E0E0E"/>
               </a:solidFill>
@@ -6130,73 +6121,7 @@
           </a:p>
           <a:p>
             <a:r>
-              <a:rPr lang="en-US" sz="2200" dirty="0">
-                <a:solidFill>
-                  <a:srgbClr val="0E0E0E"/>
-                </a:solidFill>
-                <a:effectLst/>
-                <a:latin typeface="Quattrocento" panose="02020502030000000404" pitchFamily="18" charset="0"/>
-                <a:cs typeface="Arial" panose="020B0604020202020204" pitchFamily="34" charset="0"/>
-              </a:rPr>
-              <a:t>This platform leverages advanced web technologies and intuitive design to allow students to upload, search, and manage study notes effortlessly. Key features include keyword-based search, peer reviews, and collaboration tools like commenting and discussions.</a:t>
-            </a:r>
-          </a:p>
-          <a:p>
-            <a:br>
-              <a:rPr lang="en-US" sz="2200" dirty="0">
-                <a:solidFill>
-                  <a:srgbClr val="0E0E0E"/>
-                </a:solidFill>
-                <a:effectLst/>
-                <a:latin typeface="Quattrocento" panose="02020502030000000404" pitchFamily="18" charset="0"/>
-                <a:cs typeface="Arial" panose="020B0604020202020204" pitchFamily="34" charset="0"/>
-              </a:rPr>
-            </a:br>
-            <a:endParaRPr lang="en-US" sz="2200" dirty="0">
-              <a:solidFill>
-                <a:srgbClr val="0E0E0E"/>
-              </a:solidFill>
-              <a:effectLst/>
-              <a:latin typeface="Quattrocento" panose="02020502030000000404" pitchFamily="18" charset="0"/>
-              <a:cs typeface="Arial" panose="020B0604020202020204" pitchFamily="34" charset="0"/>
-            </a:endParaRPr>
-          </a:p>
-          <a:p>
-            <a:r>
-              <a:rPr lang="en-US" sz="2200" dirty="0">
-                <a:solidFill>
-                  <a:srgbClr val="0E0E0E"/>
-                </a:solidFill>
-                <a:effectLst/>
-                <a:latin typeface="Quattrocento" panose="02020502030000000404" pitchFamily="18" charset="0"/>
-                <a:cs typeface="Arial" panose="020B0604020202020204" pitchFamily="34" charset="0"/>
-              </a:rPr>
-              <a:t>The system ensures seamless functionality and a user-friendly interface, making it accessible to students of all technical skill levels. By fostering collaboration and promoting organized study practices, it empowers students to achieve their academic goals efficiently.</a:t>
-            </a:r>
-          </a:p>
-          <a:p>
-            <a:br>
-              <a:rPr lang="en-US" sz="2200" dirty="0">
-                <a:solidFill>
-                  <a:srgbClr val="0E0E0E"/>
-                </a:solidFill>
-                <a:effectLst/>
-                <a:latin typeface="Quattrocento" panose="02020502030000000404" pitchFamily="18" charset="0"/>
-                <a:cs typeface="Arial" panose="020B0604020202020204" pitchFamily="34" charset="0"/>
-              </a:rPr>
-            </a:br>
-            <a:endParaRPr lang="en-US" sz="2200" dirty="0">
-              <a:solidFill>
-                <a:srgbClr val="0E0E0E"/>
-              </a:solidFill>
-              <a:effectLst/>
-              <a:latin typeface="Quattrocento" panose="02020502030000000404" pitchFamily="18" charset="0"/>
-              <a:cs typeface="Arial" panose="020B0604020202020204" pitchFamily="34" charset="0"/>
-            </a:endParaRPr>
-          </a:p>
-          <a:p>
-            <a:r>
-              <a:rPr lang="en-US" sz="2200" dirty="0">
+              <a:rPr lang="en-US" sz="3100" dirty="0">
                 <a:solidFill>
                   <a:srgbClr val="0E0E0E"/>
                 </a:solidFill>
@@ -6207,7 +6132,7 @@
               <a:t>The </a:t>
             </a:r>
             <a:r>
-              <a:rPr lang="en-US" sz="2200" i="1" dirty="0">
+              <a:rPr lang="en-US" sz="3100" i="1" dirty="0">
                 <a:solidFill>
                   <a:srgbClr val="0E0E0E"/>
                 </a:solidFill>
@@ -6218,7 +6143,7 @@
               <a:t>Comprehensive Digital Learning System</a:t>
             </a:r>
             <a:r>
-              <a:rPr lang="en-US" sz="2200" dirty="0">
+              <a:rPr lang="en-US" sz="3100" dirty="0">
                 <a:solidFill>
                   <a:srgbClr val="0E0E0E"/>
                 </a:solidFill>
@@ -6246,7 +6171,7 @@
         <p:spPr>
           <a:xfrm>
             <a:off x="11611880" y="6646304"/>
-            <a:ext cx="9715366" cy="22075274"/>
+            <a:ext cx="9715366" cy="20936501"/>
           </a:xfrm>
           <a:prstGeom prst="rect">
             <a:avLst/>
@@ -6264,7 +6189,7 @@
           </a:lstStyle>
           <a:p>
             <a:r>
-              <a:rPr lang="en-US" sz="3200" b="1" dirty="0">
+              <a:rPr lang="en-US" sz="3100" b="1" dirty="0">
                 <a:solidFill>
                   <a:srgbClr val="0E0E0E"/>
                 </a:solidFill>
@@ -6274,7 +6199,7 @@
               </a:rPr>
               <a:t>Methodology</a:t>
             </a:r>
-            <a:endParaRPr lang="en-US" sz="3200" dirty="0">
+            <a:endParaRPr lang="en-US" sz="3100" dirty="0">
               <a:solidFill>
                 <a:srgbClr val="0E0E0E"/>
               </a:solidFill>
@@ -6290,7 +6215,7 @@
               </a:spcBef>
             </a:pPr>
             <a:r>
-              <a:rPr lang="en-US" sz="3200" dirty="0">
+              <a:rPr lang="en-US" sz="3100" dirty="0">
                 <a:solidFill>
                   <a:srgbClr val="0E0E0E"/>
                 </a:solidFill>
@@ -6301,7 +6226,7 @@
               <a:t>1. </a:t>
             </a:r>
             <a:r>
-              <a:rPr lang="en-US" sz="3200" b="1" dirty="0">
+              <a:rPr lang="en-US" sz="3100" b="1" dirty="0">
                 <a:solidFill>
                   <a:srgbClr val="0E0E0E"/>
                 </a:solidFill>
@@ -6311,7 +6236,7 @@
               </a:rPr>
               <a:t>Data Collection and Organization</a:t>
             </a:r>
-            <a:endParaRPr lang="en-US" sz="3200" dirty="0">
+            <a:endParaRPr lang="en-US" sz="3100" dirty="0">
               <a:solidFill>
                 <a:srgbClr val="0E0E0E"/>
               </a:solidFill>
@@ -6322,7 +6247,7 @@
           </a:p>
           <a:p>
             <a:r>
-              <a:rPr lang="en-US" sz="3200" dirty="0">
+              <a:rPr lang="en-US" sz="3100" dirty="0">
                 <a:solidFill>
                   <a:srgbClr val="0E0E0E"/>
                 </a:solidFill>
@@ -6340,7 +6265,7 @@
               </a:spcBef>
             </a:pPr>
             <a:r>
-              <a:rPr lang="en-US" sz="3200" dirty="0">
+              <a:rPr lang="en-US" sz="3100" dirty="0">
                 <a:solidFill>
                   <a:srgbClr val="0E0E0E"/>
                 </a:solidFill>
@@ -6351,7 +6276,7 @@
               <a:t>2. </a:t>
             </a:r>
             <a:r>
-              <a:rPr lang="en-US" sz="3200" b="1" dirty="0">
+              <a:rPr lang="en-US" sz="3100" b="1" dirty="0">
                 <a:solidFill>
                   <a:srgbClr val="0E0E0E"/>
                 </a:solidFill>
@@ -6361,7 +6286,7 @@
               </a:rPr>
               <a:t>Keyword-Based Search and Filtering</a:t>
             </a:r>
-            <a:endParaRPr lang="en-US" sz="3200" dirty="0">
+            <a:endParaRPr lang="en-US" sz="3100" dirty="0">
               <a:solidFill>
                 <a:srgbClr val="0E0E0E"/>
               </a:solidFill>
@@ -6372,7 +6297,7 @@
           </a:p>
           <a:p>
             <a:r>
-              <a:rPr lang="en-US" sz="3200" dirty="0">
+              <a:rPr lang="en-US" sz="3100" dirty="0">
                 <a:solidFill>
                   <a:srgbClr val="0E0E0E"/>
                 </a:solidFill>
@@ -6390,7 +6315,7 @@
               </a:spcBef>
             </a:pPr>
             <a:r>
-              <a:rPr lang="en-US" sz="3200" dirty="0">
+              <a:rPr lang="en-US" sz="3100" dirty="0">
                 <a:solidFill>
                   <a:srgbClr val="0E0E0E"/>
                 </a:solidFill>
@@ -6401,7 +6326,7 @@
               <a:t>3. </a:t>
             </a:r>
             <a:r>
-              <a:rPr lang="en-US" sz="3200" b="1" dirty="0">
+              <a:rPr lang="en-US" sz="3100" b="1" dirty="0">
                 <a:solidFill>
                   <a:srgbClr val="0E0E0E"/>
                 </a:solidFill>
@@ -6411,7 +6336,7 @@
               </a:rPr>
               <a:t>Peer Review and Collaboration Features</a:t>
             </a:r>
-            <a:endParaRPr lang="en-US" sz="3200" dirty="0">
+            <a:endParaRPr lang="en-US" sz="3100" dirty="0">
               <a:solidFill>
                 <a:srgbClr val="0E0E0E"/>
               </a:solidFill>
@@ -6422,7 +6347,7 @@
           </a:p>
           <a:p>
             <a:r>
-              <a:rPr lang="en-US" sz="3200" dirty="0">
+              <a:rPr lang="en-US" sz="3100" dirty="0">
                 <a:solidFill>
                   <a:srgbClr val="0E0E0E"/>
                 </a:solidFill>
@@ -6440,7 +6365,7 @@
               </a:spcBef>
             </a:pPr>
             <a:r>
-              <a:rPr lang="en-US" sz="3200" dirty="0">
+              <a:rPr lang="en-US" sz="3100" dirty="0">
                 <a:solidFill>
                   <a:srgbClr val="0E0E0E"/>
                 </a:solidFill>
@@ -6451,7 +6376,7 @@
               <a:t>4. </a:t>
             </a:r>
             <a:r>
-              <a:rPr lang="en-US" sz="3200" b="1" dirty="0">
+              <a:rPr lang="en-US" sz="3100" b="1" dirty="0">
                 <a:solidFill>
                   <a:srgbClr val="0E0E0E"/>
                 </a:solidFill>
@@ -6461,7 +6386,7 @@
               </a:rPr>
               <a:t>User Interface and Experience Design</a:t>
             </a:r>
-            <a:endParaRPr lang="en-US" sz="3200" dirty="0">
+            <a:endParaRPr lang="en-US" sz="3100" dirty="0">
               <a:solidFill>
                 <a:srgbClr val="0E0E0E"/>
               </a:solidFill>
@@ -6472,7 +6397,7 @@
           </a:p>
           <a:p>
             <a:r>
-              <a:rPr lang="en-US" sz="3200" dirty="0">
+              <a:rPr lang="en-US" sz="3100" dirty="0">
                 <a:solidFill>
                   <a:srgbClr val="0E0E0E"/>
                 </a:solidFill>
@@ -6490,7 +6415,7 @@
               </a:spcBef>
             </a:pPr>
             <a:r>
-              <a:rPr lang="en-US" sz="3200" dirty="0">
+              <a:rPr lang="en-US" sz="3100" dirty="0">
                 <a:solidFill>
                   <a:srgbClr val="0E0E0E"/>
                 </a:solidFill>
@@ -6501,7 +6426,7 @@
               <a:t>5. </a:t>
             </a:r>
             <a:r>
-              <a:rPr lang="en-US" sz="3200" b="1" dirty="0">
+              <a:rPr lang="en-US" sz="3100" b="1" dirty="0">
                 <a:solidFill>
                   <a:srgbClr val="0E0E0E"/>
                 </a:solidFill>
@@ -6511,7 +6436,7 @@
               </a:rPr>
               <a:t>Testing and Optimization</a:t>
             </a:r>
-            <a:endParaRPr lang="en-US" sz="3200" dirty="0">
+            <a:endParaRPr lang="en-US" sz="3100" dirty="0">
               <a:solidFill>
                 <a:srgbClr val="0E0E0E"/>
               </a:solidFill>
@@ -6522,7 +6447,7 @@
           </a:p>
           <a:p>
             <a:r>
-              <a:rPr lang="en-US" sz="3200" dirty="0">
+              <a:rPr lang="en-US" sz="3100" dirty="0">
                 <a:solidFill>
                   <a:srgbClr val="0E0E0E"/>
                 </a:solidFill>
@@ -6540,7 +6465,7 @@
               </a:spcBef>
             </a:pPr>
             <a:r>
-              <a:rPr lang="en-US" sz="3200" dirty="0">
+              <a:rPr lang="en-US" sz="3100" dirty="0">
                 <a:solidFill>
                   <a:srgbClr val="0E0E0E"/>
                 </a:solidFill>
@@ -6551,7 +6476,7 @@
               <a:t>6. </a:t>
             </a:r>
             <a:r>
-              <a:rPr lang="en-US" sz="3200" b="1" dirty="0">
+              <a:rPr lang="en-US" sz="3100" b="1" dirty="0">
                 <a:solidFill>
                   <a:srgbClr val="0E0E0E"/>
                 </a:solidFill>
@@ -6561,7 +6486,7 @@
               </a:rPr>
               <a:t>Real-Time Note Accessibility</a:t>
             </a:r>
-            <a:endParaRPr lang="en-US" sz="3200" dirty="0">
+            <a:endParaRPr lang="en-US" sz="3100" dirty="0">
               <a:solidFill>
                 <a:srgbClr val="0E0E0E"/>
               </a:solidFill>
@@ -6572,7 +6497,7 @@
           </a:p>
           <a:p>
             <a:r>
-              <a:rPr lang="en-US" sz="3200" dirty="0">
+              <a:rPr lang="en-US" sz="3100" dirty="0">
                 <a:solidFill>
                   <a:srgbClr val="0E0E0E"/>
                 </a:solidFill>
@@ -6590,7 +6515,7 @@
               </a:spcBef>
             </a:pPr>
             <a:r>
-              <a:rPr lang="en-US" sz="3200" dirty="0">
+              <a:rPr lang="en-US" sz="3100" dirty="0">
                 <a:solidFill>
                   <a:srgbClr val="0E0E0E"/>
                 </a:solidFill>
@@ -6601,7 +6526,7 @@
               <a:t>7. </a:t>
             </a:r>
             <a:r>
-              <a:rPr lang="en-US" sz="3200" b="1" dirty="0">
+              <a:rPr lang="en-US" sz="3100" b="1" dirty="0">
                 <a:solidFill>
                   <a:srgbClr val="0E0E0E"/>
                 </a:solidFill>
@@ -6611,7 +6536,7 @@
               </a:rPr>
               <a:t>Scalability and Future Enhancements</a:t>
             </a:r>
-            <a:endParaRPr lang="en-US" sz="3200" dirty="0">
+            <a:endParaRPr lang="en-US" sz="3100" dirty="0">
               <a:solidFill>
                 <a:srgbClr val="0E0E0E"/>
               </a:solidFill>
@@ -6622,7 +6547,7 @@
           </a:p>
           <a:p>
             <a:r>
-              <a:rPr lang="en-US" sz="3200" dirty="0">
+              <a:rPr lang="en-US" sz="3100" dirty="0">
                 <a:solidFill>
                   <a:srgbClr val="0E0E0E"/>
                 </a:solidFill>
@@ -6649,8 +6574,8 @@
         </p:nvSpPr>
         <p:spPr>
           <a:xfrm>
-            <a:off x="777552" y="28828738"/>
-            <a:ext cx="9715366" cy="4170372"/>
+            <a:off x="559911" y="27582805"/>
+            <a:ext cx="9785782" cy="4978286"/>
           </a:xfrm>
           <a:prstGeom prst="rect">
             <a:avLst/>
@@ -6673,7 +6598,7 @@
               </a:spcBef>
             </a:pPr>
             <a:r>
-              <a:rPr lang="en-US" sz="2500" dirty="0">
+              <a:rPr lang="en-US" sz="3100" dirty="0">
                 <a:solidFill>
                   <a:srgbClr val="0E0E0E"/>
                 </a:solidFill>
@@ -6684,7 +6609,7 @@
               <a:t>1. </a:t>
             </a:r>
             <a:r>
-              <a:rPr lang="en-US" sz="2500" b="1" dirty="0">
+              <a:rPr lang="en-US" sz="3100" b="1" dirty="0">
                 <a:solidFill>
                   <a:srgbClr val="0E0E0E"/>
                 </a:solidFill>
@@ -6695,7 +6620,7 @@
               <a:t>Develop an Efficient Note Retrieval System</a:t>
             </a:r>
             <a:r>
-              <a:rPr lang="en-US" sz="2500" dirty="0">
+              <a:rPr lang="en-US" sz="3100" dirty="0">
                 <a:solidFill>
                   <a:srgbClr val="0E0E0E"/>
                 </a:solidFill>
@@ -6703,17 +6628,20 @@
                 <a:latin typeface="Quattrocento" panose="02020502030000000404" pitchFamily="18" charset="0"/>
                 <a:cs typeface="Arial" panose="020B0604020202020204" pitchFamily="34" charset="0"/>
               </a:rPr>
-              <a:t>: Create an AI-driven search algorithm that optimizes note searches based on keywords, relevance, and subject, providing students with quick access to the most relevant study materials.</a:t>
-            </a:r>
-          </a:p>
-          <a:p>
-            <a:pPr>
-              <a:spcBef>
-                <a:spcPts val="900"/>
-              </a:spcBef>
-            </a:pPr>
-            <a:r>
-              <a:rPr lang="en-US" sz="2500" dirty="0">
+              <a:t>: Create an AI-driven search algorithm that optimizes note searches based on keywords, relevance, and subject</a:t>
+            </a:r>
+            <a:r>
+              <a:rPr lang="en-US" sz="3100" dirty="0">
+                <a:solidFill>
+                  <a:srgbClr val="0E0E0E"/>
+                </a:solidFill>
+                <a:latin typeface="Quattrocento" panose="02020502030000000404" pitchFamily="18" charset="0"/>
+                <a:cs typeface="Arial" panose="020B0604020202020204" pitchFamily="34" charset="0"/>
+              </a:rPr>
+              <a:t>.</a:t>
+            </a:r>
+            <a:r>
+              <a:rPr lang="en-US" sz="3100" dirty="0">
                 <a:solidFill>
                   <a:srgbClr val="0E0E0E"/>
                 </a:solidFill>
@@ -6721,10 +6649,10 @@
                 <a:latin typeface="Quattrocento" panose="02020502030000000404" pitchFamily="18" charset="0"/>
                 <a:cs typeface="Arial" panose="020B0604020202020204" pitchFamily="34" charset="0"/>
               </a:rPr>
-              <a:t>2. </a:t>
-            </a:r>
-            <a:r>
-              <a:rPr lang="en-US" sz="2500" b="1" dirty="0">
+              <a:t> 2. </a:t>
+            </a:r>
+            <a:r>
+              <a:rPr lang="en-US" sz="3100" b="1" dirty="0">
                 <a:solidFill>
                   <a:srgbClr val="0E0E0E"/>
                 </a:solidFill>
@@ -6735,7 +6663,7 @@
               <a:t>Foster Collaborative Learning</a:t>
             </a:r>
             <a:r>
-              <a:rPr lang="en-US" sz="2500" dirty="0">
+              <a:rPr lang="en-US" sz="3100" dirty="0">
                 <a:solidFill>
                   <a:srgbClr val="0E0E0E"/>
                 </a:solidFill>
@@ -6745,7 +6673,7 @@
               </a:rPr>
               <a:t>: Integrate a peer-review system that allows users to rate, comment, promoting collaboration.</a:t>
             </a:r>
-            <a:endParaRPr lang="en-US" sz="2500" dirty="0">
+            <a:endParaRPr lang="en-US" sz="3100" dirty="0">
               <a:solidFill>
                 <a:srgbClr val="0E0E0E"/>
               </a:solidFill>
@@ -6760,7 +6688,7 @@
               </a:spcBef>
             </a:pPr>
             <a:r>
-              <a:rPr lang="en-US" sz="2500" dirty="0">
+              <a:rPr lang="en-US" sz="3100" dirty="0">
                 <a:solidFill>
                   <a:srgbClr val="0E0E0E"/>
                 </a:solidFill>
@@ -6771,7 +6699,7 @@
               <a:t>3. </a:t>
             </a:r>
             <a:r>
-              <a:rPr lang="en-US" sz="2500" b="1" dirty="0">
+              <a:rPr lang="en-US" sz="3100" b="1" dirty="0">
                 <a:solidFill>
                   <a:srgbClr val="0E0E0E"/>
                 </a:solidFill>
@@ -6782,7 +6710,7 @@
               <a:t>Design an Intuitive User Experience</a:t>
             </a:r>
             <a:r>
-              <a:rPr lang="en-US" sz="2500" dirty="0">
+              <a:rPr lang="en-US" sz="3100" dirty="0">
                 <a:solidFill>
                   <a:srgbClr val="0E0E0E"/>
                 </a:solidFill>
@@ -6790,7 +6718,7 @@
                 <a:latin typeface="Quattrocento" panose="02020502030000000404" pitchFamily="18" charset="0"/>
                 <a:cs typeface="Arial" panose="020B0604020202020204" pitchFamily="34" charset="0"/>
               </a:rPr>
-              <a:t>: Build a user-friendly, responsive interface using HTML5, CSS3, and Bootstrap, ensuring seamless navigation across devices for students of all technical skill levels.</a:t>
+              <a:t>: Build a user-friendly, responsive interface, ensuring seamless navigation across devices for students of all technical skill levels.</a:t>
             </a:r>
           </a:p>
         </p:txBody>
@@ -6883,7 +6811,7 @@
         </p:nvSpPr>
         <p:spPr bwMode="auto">
           <a:xfrm>
-            <a:off x="630327" y="27662538"/>
+            <a:off x="612087" y="26678697"/>
             <a:ext cx="9715366" cy="822960"/>
           </a:xfrm>
           <a:prstGeom prst="round2DiagRect">
@@ -6993,8 +6921,8 @@
         </p:nvSpPr>
         <p:spPr>
           <a:xfrm>
-            <a:off x="22822034" y="30170735"/>
-            <a:ext cx="9715366" cy="1200329"/>
+            <a:off x="22590946" y="30170735"/>
+            <a:ext cx="10327453" cy="1523494"/>
           </a:xfrm>
           <a:prstGeom prst="rect">
             <a:avLst/>
@@ -7012,46 +6940,49 @@
           </a:lstStyle>
           <a:p>
             <a:r>
-              <a:rPr lang="en-US" sz="2400" dirty="0">
+              <a:rPr lang="en-US" dirty="0">
                 <a:latin typeface="Quattrocento Sans" panose="020B0502050000020003" pitchFamily="34" charset="0"/>
                 <a:ea typeface="Open Sans" panose="020B0606030504020204" pitchFamily="34" charset="0"/>
                 <a:cs typeface="Open Sans" panose="020B0606030504020204" pitchFamily="34" charset="0"/>
               </a:rPr>
-              <a:t>Guided By: Prof Mahendra Verma</a:t>
-            </a:r>
-          </a:p>
-          <a:p>
-            <a:r>
-              <a:rPr lang="en-US" sz="2400" dirty="0">
+              <a:t>Guided By: Prof Mahendra Verma (Assist. Prof I.T)</a:t>
+            </a:r>
+          </a:p>
+          <a:p>
+            <a:r>
+              <a:rPr lang="en-US" dirty="0">
                 <a:latin typeface="Quattrocento Sans" panose="020B0502050000020003" pitchFamily="34" charset="0"/>
                 <a:ea typeface="Open Sans" panose="020B0606030504020204" pitchFamily="34" charset="0"/>
                 <a:cs typeface="Open Sans" panose="020B0606030504020204" pitchFamily="34" charset="0"/>
               </a:rPr>
-              <a:t>Project Coordinator: Prof. Monika Choudhary</a:t>
-            </a:r>
-          </a:p>
-          <a:p>
-            <a:r>
-              <a:rPr lang="en-US" sz="2400" dirty="0">
+              <a:t>Project Coordinator: Prof. Monika Choudhary (Assist. Prof I.T)</a:t>
+            </a:r>
+          </a:p>
+          <a:p>
+            <a:r>
+              <a:rPr lang="en-US" dirty="0">
                 <a:latin typeface="Quattrocento Sans" panose="020B0502050000020003" pitchFamily="34" charset="0"/>
                 <a:ea typeface="Open Sans" panose="020B0606030504020204" pitchFamily="34" charset="0"/>
                 <a:cs typeface="Open Sans" panose="020B0606030504020204" pitchFamily="34" charset="0"/>
               </a:rPr>
-              <a:t>Hod; Prof. Prashant </a:t>
-            </a:r>
-            <a:r>
-              <a:rPr lang="en-US" sz="2400" dirty="0" err="1">
+              <a:t>Prof. Prashant </a:t>
+            </a:r>
+            <a:r>
+              <a:rPr lang="en-US" dirty="0" err="1">
                 <a:latin typeface="Quattrocento Sans" panose="020B0502050000020003" pitchFamily="34" charset="0"/>
                 <a:ea typeface="Open Sans" panose="020B0606030504020204" pitchFamily="34" charset="0"/>
                 <a:cs typeface="Open Sans" panose="020B0606030504020204" pitchFamily="34" charset="0"/>
               </a:rPr>
               <a:t>Lakkadwala</a:t>
             </a:r>
-            <a:endParaRPr lang="en-US" sz="2400" dirty="0">
-              <a:latin typeface="Quattrocento Sans" panose="020B0502050000020003" pitchFamily="34" charset="0"/>
-              <a:ea typeface="Open Sans" panose="020B0606030504020204" pitchFamily="34" charset="0"/>
-              <a:cs typeface="Open Sans" panose="020B0606030504020204" pitchFamily="34" charset="0"/>
-            </a:endParaRPr>
+            <a:r>
+              <a:rPr lang="en-US" dirty="0">
+                <a:latin typeface="Quattrocento Sans" panose="020B0502050000020003" pitchFamily="34" charset="0"/>
+                <a:ea typeface="Open Sans" panose="020B0606030504020204" pitchFamily="34" charset="0"/>
+                <a:cs typeface="Open Sans" panose="020B0606030504020204" pitchFamily="34" charset="0"/>
+              </a:rPr>
+              <a:t> H.O.D</a:t>
+            </a:r>
           </a:p>
         </p:txBody>
       </p:sp>
@@ -7070,7 +7001,7 @@
         <p:spPr>
           <a:xfrm>
             <a:off x="22590947" y="22673635"/>
-            <a:ext cx="9715366" cy="6086282"/>
+            <a:ext cx="9715366" cy="5093702"/>
           </a:xfrm>
           <a:prstGeom prst="rect">
             <a:avLst/>
@@ -7093,7 +7024,7 @@
               </a:spcBef>
             </a:pPr>
             <a:r>
-              <a:rPr lang="en-US" sz="2200" dirty="0">
+              <a:rPr lang="en-US" sz="3100" dirty="0">
                 <a:solidFill>
                   <a:srgbClr val="0E0E0E"/>
                 </a:solidFill>
@@ -7103,7 +7034,7 @@
               <a:t>1. The </a:t>
             </a:r>
             <a:r>
-              <a:rPr lang="en-US" sz="2200" b="1" dirty="0">
+              <a:rPr lang="en-US" sz="3100" b="1" dirty="0">
                 <a:solidFill>
                   <a:srgbClr val="0E0E0E"/>
                 </a:solidFill>
@@ -7113,7 +7044,7 @@
               <a:t>Comprehensive Digital Learning System for Students</a:t>
             </a:r>
             <a:r>
-              <a:rPr lang="en-US" sz="2200" dirty="0">
+              <a:rPr lang="en-US" sz="3100" dirty="0">
                 <a:solidFill>
                   <a:srgbClr val="0E0E0E"/>
                 </a:solidFill>
@@ -7130,7 +7061,7 @@
               </a:spcBef>
             </a:pPr>
             <a:r>
-              <a:rPr lang="en-US" sz="2200" dirty="0">
+              <a:rPr lang="en-US" sz="3100" dirty="0">
                 <a:solidFill>
                   <a:srgbClr val="0E0E0E"/>
                 </a:solidFill>
@@ -7140,7 +7071,7 @@
               <a:t>2. It enhances the learning experience through features like </a:t>
             </a:r>
             <a:r>
-              <a:rPr lang="en-US" sz="2200" b="1" dirty="0">
+              <a:rPr lang="en-US" sz="3100" b="1" dirty="0">
                 <a:solidFill>
                   <a:srgbClr val="0E0E0E"/>
                 </a:solidFill>
@@ -7150,7 +7081,7 @@
               <a:t>efficient search algorithms</a:t>
             </a:r>
             <a:r>
-              <a:rPr lang="en-US" sz="2200" dirty="0">
+              <a:rPr lang="en-US" sz="3100" dirty="0">
                 <a:solidFill>
                   <a:srgbClr val="0E0E0E"/>
                 </a:solidFill>
@@ -7160,7 +7091,7 @@
               <a:t>, </a:t>
             </a:r>
             <a:r>
-              <a:rPr lang="en-US" sz="2200" b="1" dirty="0">
+              <a:rPr lang="en-US" sz="3100" b="1" dirty="0">
                 <a:solidFill>
                   <a:srgbClr val="0E0E0E"/>
                 </a:solidFill>
@@ -7170,7 +7101,7 @@
               <a:t>peer reviews</a:t>
             </a:r>
             <a:r>
-              <a:rPr lang="en-US" sz="2200" dirty="0">
+              <a:rPr lang="en-US" sz="3100" dirty="0">
                 <a:solidFill>
                   <a:srgbClr val="0E0E0E"/>
                 </a:solidFill>
@@ -7180,7 +7111,7 @@
               <a:t>, and </a:t>
             </a:r>
             <a:r>
-              <a:rPr lang="en-US" sz="2200" b="1" dirty="0">
+              <a:rPr lang="en-US" sz="3100" b="1" dirty="0">
                 <a:solidFill>
                   <a:srgbClr val="0E0E0E"/>
                 </a:solidFill>
@@ -7190,7 +7121,7 @@
               <a:t>personalized content organization</a:t>
             </a:r>
             <a:r>
-              <a:rPr lang="en-US" sz="2200" dirty="0">
+              <a:rPr lang="en-US" sz="3100" dirty="0">
                 <a:solidFill>
                   <a:srgbClr val="0E0E0E"/>
                 </a:solidFill>
@@ -7207,7 +7138,7 @@
               </a:spcBef>
             </a:pPr>
             <a:r>
-              <a:rPr lang="en-US" sz="2200" dirty="0">
+              <a:rPr lang="en-US" sz="3100" dirty="0">
                 <a:solidFill>
                   <a:srgbClr val="0E0E0E"/>
                 </a:solidFill>
@@ -7217,7 +7148,7 @@
               <a:t>3. The platform ensures </a:t>
             </a:r>
             <a:r>
-              <a:rPr lang="en-US" sz="2200" b="1" dirty="0">
+              <a:rPr lang="en-US" sz="3100" b="1" dirty="0">
                 <a:solidFill>
                   <a:srgbClr val="0E0E0E"/>
                 </a:solidFill>
@@ -7227,7 +7158,7 @@
               <a:t>seamless user experience</a:t>
             </a:r>
             <a:r>
-              <a:rPr lang="en-US" sz="2200" dirty="0">
+              <a:rPr lang="en-US" sz="3100" dirty="0">
                 <a:solidFill>
                   <a:srgbClr val="0E0E0E"/>
                 </a:solidFill>
@@ -7235,137 +7166,6 @@
                 <a:latin typeface="Quattrocento" panose="02020502030000000404" pitchFamily="18" charset="0"/>
               </a:rPr>
               <a:t> by utilizing scalable technologies like Python (Django), SQLite/MySQL, and responsive web design.</a:t>
-            </a:r>
-          </a:p>
-          <a:p>
-            <a:pPr>
-              <a:spcBef>
-                <a:spcPts val="900"/>
-              </a:spcBef>
-            </a:pPr>
-            <a:r>
-              <a:rPr lang="en-US" sz="2200" dirty="0">
-                <a:solidFill>
-                  <a:srgbClr val="0E0E0E"/>
-                </a:solidFill>
-                <a:effectLst/>
-                <a:latin typeface="Quattrocento" panose="02020502030000000404" pitchFamily="18" charset="0"/>
-              </a:rPr>
-              <a:t>4. Future enhancements such as </a:t>
-            </a:r>
-            <a:r>
-              <a:rPr lang="en-US" sz="2200" b="1" dirty="0">
-                <a:solidFill>
-                  <a:srgbClr val="0E0E0E"/>
-                </a:solidFill>
-                <a:effectLst/>
-                <a:latin typeface="Quattrocento" panose="02020502030000000404" pitchFamily="18" charset="0"/>
-              </a:rPr>
-              <a:t>AI integration</a:t>
-            </a:r>
-            <a:r>
-              <a:rPr lang="en-US" sz="2200" dirty="0">
-                <a:solidFill>
-                  <a:srgbClr val="0E0E0E"/>
-                </a:solidFill>
-                <a:effectLst/>
-                <a:latin typeface="Quattrocento" panose="02020502030000000404" pitchFamily="18" charset="0"/>
-              </a:rPr>
-              <a:t>, </a:t>
-            </a:r>
-            <a:r>
-              <a:rPr lang="en-US" sz="2200" b="1" dirty="0">
-                <a:solidFill>
-                  <a:srgbClr val="0E0E0E"/>
-                </a:solidFill>
-                <a:effectLst/>
-                <a:latin typeface="Quattrocento" panose="02020502030000000404" pitchFamily="18" charset="0"/>
-              </a:rPr>
-              <a:t>gamification</a:t>
-            </a:r>
-            <a:r>
-              <a:rPr lang="en-US" sz="2200" dirty="0">
-                <a:solidFill>
-                  <a:srgbClr val="0E0E0E"/>
-                </a:solidFill>
-                <a:effectLst/>
-                <a:latin typeface="Quattrocento" panose="02020502030000000404" pitchFamily="18" charset="0"/>
-              </a:rPr>
-              <a:t>, and a </a:t>
-            </a:r>
-            <a:r>
-              <a:rPr lang="en-US" sz="2200" b="1" dirty="0">
-                <a:solidFill>
-                  <a:srgbClr val="0E0E0E"/>
-                </a:solidFill>
-                <a:effectLst/>
-                <a:latin typeface="Quattrocento" panose="02020502030000000404" pitchFamily="18" charset="0"/>
-              </a:rPr>
-              <a:t>mobile app</a:t>
-            </a:r>
-            <a:r>
-              <a:rPr lang="en-US" sz="2200" dirty="0">
-                <a:solidFill>
-                  <a:srgbClr val="0E0E0E"/>
-                </a:solidFill>
-                <a:effectLst/>
-                <a:latin typeface="Quattrocento" panose="02020502030000000404" pitchFamily="18" charset="0"/>
-              </a:rPr>
-              <a:t> will further improve accessibility and engagement.</a:t>
-            </a:r>
-          </a:p>
-          <a:p>
-            <a:pPr>
-              <a:spcBef>
-                <a:spcPts val="900"/>
-              </a:spcBef>
-            </a:pPr>
-            <a:r>
-              <a:rPr lang="en-US" sz="2200" dirty="0">
-                <a:solidFill>
-                  <a:srgbClr val="0E0E0E"/>
-                </a:solidFill>
-                <a:effectLst/>
-                <a:latin typeface="Quattrocento" panose="02020502030000000404" pitchFamily="18" charset="0"/>
-              </a:rPr>
-              <a:t>5. The project addresses the challenges of accessing quality study materials while fostering a </a:t>
-            </a:r>
-            <a:r>
-              <a:rPr lang="en-US" sz="2200" b="1" dirty="0">
-                <a:solidFill>
-                  <a:srgbClr val="0E0E0E"/>
-                </a:solidFill>
-                <a:effectLst/>
-                <a:latin typeface="Quattrocento" panose="02020502030000000404" pitchFamily="18" charset="0"/>
-              </a:rPr>
-              <a:t>community-driven environment</a:t>
-            </a:r>
-            <a:r>
-              <a:rPr lang="en-US" sz="2200" dirty="0">
-                <a:solidFill>
-                  <a:srgbClr val="0E0E0E"/>
-                </a:solidFill>
-                <a:effectLst/>
-                <a:latin typeface="Quattrocento" panose="02020502030000000404" pitchFamily="18" charset="0"/>
-              </a:rPr>
-              <a:t> for collaborative learning.</a:t>
-            </a:r>
-          </a:p>
-          <a:p>
-            <a:pPr>
-              <a:spcBef>
-                <a:spcPts val="900"/>
-              </a:spcBef>
-            </a:pPr>
-            <a:r>
-              <a:rPr lang="en-US" sz="2200" dirty="0">
-                <a:solidFill>
-                  <a:srgbClr val="0E0E0E"/>
-                </a:solidFill>
-                <a:effectLst/>
-                <a:latin typeface="Quattrocento" panose="02020502030000000404" pitchFamily="18" charset="0"/>
-              </a:rPr>
-              <a:t>6. Ultimately, it provides an efficient and interactive solution for students to access and contribute to educational resources, transforming the way students interact with their learning materials.</a:t>
             </a:r>
           </a:p>
         </p:txBody>
@@ -7525,7 +7325,7 @@
         <p:spPr>
           <a:xfrm>
             <a:off x="22805635" y="20555664"/>
-            <a:ext cx="9252730" cy="523220"/>
+            <a:ext cx="9252730" cy="1046440"/>
           </a:xfrm>
           <a:prstGeom prst="rect">
             <a:avLst/>
@@ -7543,7 +7343,7 @@
           </a:lstStyle>
           <a:p>
             <a:r>
-              <a:rPr lang="en-US" sz="2800" dirty="0">
+              <a:rPr lang="en-US" sz="3100" dirty="0">
                 <a:latin typeface="Quattrocento Sans" panose="020B0502050000020003" pitchFamily="34" charset="0"/>
                 <a:ea typeface="Open Sans" panose="020B0606030504020204" pitchFamily="34" charset="0"/>
                 <a:cs typeface="Open Sans" panose="020B0606030504020204" pitchFamily="34" charset="0"/>

--- a/Minor Project/Poster/Poster Minor Project.pptx
+++ b/Minor Project/Poster/Poster Minor Project.pptx
@@ -5339,7 +5339,7 @@
                 </a:solidFill>
                 <a:latin typeface="Quattrocento Sans" panose="020B0502050000020003" pitchFamily="34" charset="0"/>
               </a:rPr>
-              <a:t> Atharv Sharna (0827IT233D02).  Abhishek Rathore(0827IT233D01).</a:t>
+              <a:t> Atharv Sharna (0827IT233D02).  Abhishek Rathore (0827IT233D01).</a:t>
             </a:r>
           </a:p>
           <a:p>
@@ -6030,29 +6030,7 @@
                 <a:latin typeface="Quattrocento" panose="02020502030000000404" pitchFamily="18" charset="0"/>
                 <a:cs typeface="Arial" panose="020B0604020202020204" pitchFamily="34" charset="0"/>
               </a:rPr>
-              <a:t>The </a:t>
-            </a:r>
-            <a:r>
-              <a:rPr lang="en-US" sz="3100" i="1" dirty="0">
-                <a:solidFill>
-                  <a:srgbClr val="0E0E0E"/>
-                </a:solidFill>
-                <a:effectLst/>
-                <a:latin typeface="Quattrocento" panose="02020502030000000404" pitchFamily="18" charset="0"/>
-                <a:cs typeface="Arial" panose="020B0604020202020204" pitchFamily="34" charset="0"/>
-              </a:rPr>
-              <a:t>Comprehensive Digital Learning System for Students</a:t>
-            </a:r>
-            <a:r>
-              <a:rPr lang="en-US" sz="3100" dirty="0">
-                <a:solidFill>
-                  <a:srgbClr val="0E0E0E"/>
-                </a:solidFill>
-                <a:effectLst/>
-                <a:latin typeface="Quattrocento" panose="02020502030000000404" pitchFamily="18" charset="0"/>
-                <a:cs typeface="Arial" panose="020B0604020202020204" pitchFamily="34" charset="0"/>
-              </a:rPr>
-              <a:t> is a web-based platform designed to centralize and simplify access to study materials.</a:t>
+              <a:t>The Comprehensive Digital Learning System for Students is a web-based platform designed to centralize and simplify access to study materials.</a:t>
             </a:r>
             <a:br>
               <a:rPr lang="en-US" sz="3100" dirty="0">
@@ -6129,29 +6107,7 @@
                 <a:latin typeface="Quattrocento" panose="02020502030000000404" pitchFamily="18" charset="0"/>
                 <a:cs typeface="Arial" panose="020B0604020202020204" pitchFamily="34" charset="0"/>
               </a:rPr>
-              <a:t>The </a:t>
-            </a:r>
-            <a:r>
-              <a:rPr lang="en-US" sz="3100" i="1" dirty="0">
-                <a:solidFill>
-                  <a:srgbClr val="0E0E0E"/>
-                </a:solidFill>
-                <a:effectLst/>
-                <a:latin typeface="Quattrocento" panose="02020502030000000404" pitchFamily="18" charset="0"/>
-                <a:cs typeface="Arial" panose="020B0604020202020204" pitchFamily="34" charset="0"/>
-              </a:rPr>
-              <a:t>Comprehensive Digital Learning System</a:t>
-            </a:r>
-            <a:r>
-              <a:rPr lang="en-US" sz="3100" dirty="0">
-                <a:solidFill>
-                  <a:srgbClr val="0E0E0E"/>
-                </a:solidFill>
-                <a:effectLst/>
-                <a:latin typeface="Quattrocento" panose="02020502030000000404" pitchFamily="18" charset="0"/>
-                <a:cs typeface="Arial" panose="020B0604020202020204" pitchFamily="34" charset="0"/>
-              </a:rPr>
-              <a:t> transforms traditional learning methods by ensuring that all students have access to quality resources, personalized learning experiences, and an inclusive educational environment.</a:t>
+              <a:t>The Comprehensive Digital Learning System transforms traditional learning methods by ensuring that all students have access to quality resources, personalized learning experiences, and an inclusive educational environment.</a:t>
             </a:r>
           </a:p>
         </p:txBody>
@@ -6921,8 +6877,8 @@
         </p:nvSpPr>
         <p:spPr>
           <a:xfrm>
-            <a:off x="22590946" y="30170735"/>
-            <a:ext cx="10327453" cy="1523494"/>
+            <a:off x="22174201" y="30071948"/>
+            <a:ext cx="10744200" cy="1523494"/>
           </a:xfrm>
           <a:prstGeom prst="rect">
             <a:avLst/>
@@ -6940,27 +6896,27 @@
           </a:lstStyle>
           <a:p>
             <a:r>
-              <a:rPr lang="en-US" dirty="0">
+              <a:rPr lang="en-US" sz="3100" dirty="0">
                 <a:latin typeface="Quattrocento Sans" panose="020B0502050000020003" pitchFamily="34" charset="0"/>
                 <a:ea typeface="Open Sans" panose="020B0606030504020204" pitchFamily="34" charset="0"/>
                 <a:cs typeface="Open Sans" panose="020B0606030504020204" pitchFamily="34" charset="0"/>
               </a:rPr>
-              <a:t>Guided By: Prof Mahendra Verma (Assist. Prof I.T)</a:t>
-            </a:r>
-          </a:p>
-          <a:p>
-            <a:r>
-              <a:rPr lang="en-US" dirty="0">
+              <a:t>Guided By: Prof Mahendra Verma  Assist. Prof (I.T)</a:t>
+            </a:r>
+          </a:p>
+          <a:p>
+            <a:r>
+              <a:rPr lang="en-US" sz="3100" dirty="0">
                 <a:latin typeface="Quattrocento Sans" panose="020B0502050000020003" pitchFamily="34" charset="0"/>
                 <a:ea typeface="Open Sans" panose="020B0606030504020204" pitchFamily="34" charset="0"/>
                 <a:cs typeface="Open Sans" panose="020B0606030504020204" pitchFamily="34" charset="0"/>
               </a:rPr>
-              <a:t>Project Coordinator: Prof. Monika Choudhary (Assist. Prof I.T)</a:t>
-            </a:r>
-          </a:p>
-          <a:p>
-            <a:r>
-              <a:rPr lang="en-US" dirty="0">
+              <a:t>Project Coordinator: Prof. Monika Choudhary, Assist. Prof  (I.T)</a:t>
+            </a:r>
+          </a:p>
+          <a:p>
+            <a:r>
+              <a:rPr lang="en-US" sz="3100" dirty="0">
                 <a:latin typeface="Quattrocento Sans" panose="020B0502050000020003" pitchFamily="34" charset="0"/>
                 <a:ea typeface="Open Sans" panose="020B0606030504020204" pitchFamily="34" charset="0"/>
                 <a:cs typeface="Open Sans" panose="020B0606030504020204" pitchFamily="34" charset="0"/>
@@ -6968,7 +6924,7 @@
               <a:t>Prof. Prashant </a:t>
             </a:r>
             <a:r>
-              <a:rPr lang="en-US" dirty="0" err="1">
+              <a:rPr lang="en-US" sz="3100" dirty="0" err="1">
                 <a:latin typeface="Quattrocento Sans" panose="020B0502050000020003" pitchFamily="34" charset="0"/>
                 <a:ea typeface="Open Sans" panose="020B0606030504020204" pitchFamily="34" charset="0"/>
                 <a:cs typeface="Open Sans" panose="020B0606030504020204" pitchFamily="34" charset="0"/>
@@ -6976,12 +6932,12 @@
               <a:t>Lakkadwala</a:t>
             </a:r>
             <a:r>
-              <a:rPr lang="en-US" dirty="0">
+              <a:rPr lang="en-US" sz="3100" dirty="0">
                 <a:latin typeface="Quattrocento Sans" panose="020B0502050000020003" pitchFamily="34" charset="0"/>
                 <a:ea typeface="Open Sans" panose="020B0606030504020204" pitchFamily="34" charset="0"/>
                 <a:cs typeface="Open Sans" panose="020B0606030504020204" pitchFamily="34" charset="0"/>
               </a:rPr>
-              <a:t> H.O.D</a:t>
+              <a:t>, H.O.D (I.T)</a:t>
             </a:r>
           </a:p>
         </p:txBody>
